--- a/cnblogs/i.MXRTxxx_Boot_FlexNOR_Pinmux_600_2flashes.pptx
+++ b/cnblogs/i.MXRTxxx_Boot_FlexNOR_Pinmux_600_2flashes.pptx
@@ -241,7 +241,7 @@
           <a:p>
             <a:fld id="{D997B5FA-0921-464F-AAE1-844C04324D75}" type="datetimeFigureOut">
               <a:rPr lang="zh-CN" altLang="en-US" smtClean="0"/>
-              <a:t>2020/3/7</a:t>
+              <a:t>2021/5/11</a:t>
             </a:fld>
             <a:endParaRPr lang="zh-CN" altLang="en-US"/>
           </a:p>
@@ -409,7 +409,7 @@
           <a:p>
             <a:fld id="{D997B5FA-0921-464F-AAE1-844C04324D75}" type="datetimeFigureOut">
               <a:rPr lang="zh-CN" altLang="en-US" smtClean="0"/>
-              <a:t>2020/3/7</a:t>
+              <a:t>2021/5/11</a:t>
             </a:fld>
             <a:endParaRPr lang="zh-CN" altLang="en-US"/>
           </a:p>
@@ -587,7 +587,7 @@
           <a:p>
             <a:fld id="{D997B5FA-0921-464F-AAE1-844C04324D75}" type="datetimeFigureOut">
               <a:rPr lang="zh-CN" altLang="en-US" smtClean="0"/>
-              <a:t>2020/3/7</a:t>
+              <a:t>2021/5/11</a:t>
             </a:fld>
             <a:endParaRPr lang="zh-CN" altLang="en-US"/>
           </a:p>
@@ -755,7 +755,7 @@
           <a:p>
             <a:fld id="{D997B5FA-0921-464F-AAE1-844C04324D75}" type="datetimeFigureOut">
               <a:rPr lang="zh-CN" altLang="en-US" smtClean="0"/>
-              <a:t>2020/3/7</a:t>
+              <a:t>2021/5/11</a:t>
             </a:fld>
             <a:endParaRPr lang="zh-CN" altLang="en-US"/>
           </a:p>
@@ -1000,7 +1000,7 @@
           <a:p>
             <a:fld id="{D997B5FA-0921-464F-AAE1-844C04324D75}" type="datetimeFigureOut">
               <a:rPr lang="zh-CN" altLang="en-US" smtClean="0"/>
-              <a:t>2020/3/7</a:t>
+              <a:t>2021/5/11</a:t>
             </a:fld>
             <a:endParaRPr lang="zh-CN" altLang="en-US"/>
           </a:p>
@@ -1229,7 +1229,7 @@
           <a:p>
             <a:fld id="{D997B5FA-0921-464F-AAE1-844C04324D75}" type="datetimeFigureOut">
               <a:rPr lang="zh-CN" altLang="en-US" smtClean="0"/>
-              <a:t>2020/3/7</a:t>
+              <a:t>2021/5/11</a:t>
             </a:fld>
             <a:endParaRPr lang="zh-CN" altLang="en-US"/>
           </a:p>
@@ -1593,7 +1593,7 @@
           <a:p>
             <a:fld id="{D997B5FA-0921-464F-AAE1-844C04324D75}" type="datetimeFigureOut">
               <a:rPr lang="zh-CN" altLang="en-US" smtClean="0"/>
-              <a:t>2020/3/7</a:t>
+              <a:t>2021/5/11</a:t>
             </a:fld>
             <a:endParaRPr lang="zh-CN" altLang="en-US"/>
           </a:p>
@@ -1710,7 +1710,7 @@
           <a:p>
             <a:fld id="{D997B5FA-0921-464F-AAE1-844C04324D75}" type="datetimeFigureOut">
               <a:rPr lang="zh-CN" altLang="en-US" smtClean="0"/>
-              <a:t>2020/3/7</a:t>
+              <a:t>2021/5/11</a:t>
             </a:fld>
             <a:endParaRPr lang="zh-CN" altLang="en-US"/>
           </a:p>
@@ -1805,7 +1805,7 @@
           <a:p>
             <a:fld id="{D997B5FA-0921-464F-AAE1-844C04324D75}" type="datetimeFigureOut">
               <a:rPr lang="zh-CN" altLang="en-US" smtClean="0"/>
-              <a:t>2020/3/7</a:t>
+              <a:t>2021/5/11</a:t>
             </a:fld>
             <a:endParaRPr lang="zh-CN" altLang="en-US"/>
           </a:p>
@@ -2080,7 +2080,7 @@
           <a:p>
             <a:fld id="{D997B5FA-0921-464F-AAE1-844C04324D75}" type="datetimeFigureOut">
               <a:rPr lang="zh-CN" altLang="en-US" smtClean="0"/>
-              <a:t>2020/3/7</a:t>
+              <a:t>2021/5/11</a:t>
             </a:fld>
             <a:endParaRPr lang="zh-CN" altLang="en-US"/>
           </a:p>
@@ -2332,7 +2332,7 @@
           <a:p>
             <a:fld id="{D997B5FA-0921-464F-AAE1-844C04324D75}" type="datetimeFigureOut">
               <a:rPr lang="zh-CN" altLang="en-US" smtClean="0"/>
-              <a:t>2020/3/7</a:t>
+              <a:t>2021/5/11</a:t>
             </a:fld>
             <a:endParaRPr lang="zh-CN" altLang="en-US"/>
           </a:p>
@@ -2543,7 +2543,7 @@
           <a:p>
             <a:fld id="{D997B5FA-0921-464F-AAE1-844C04324D75}" type="datetimeFigureOut">
               <a:rPr lang="zh-CN" altLang="en-US" smtClean="0"/>
-              <a:t>2020/3/7</a:t>
+              <a:t>2021/5/11</a:t>
             </a:fld>
             <a:endParaRPr lang="zh-CN" altLang="en-US"/>
           </a:p>
@@ -4027,7 +4027,7 @@
                   <a:schemeClr val="tx1"/>
                 </a:solidFill>
               </a:rPr>
-              <a:t>flexspi.A_DATA[3:0]</a:t>
+              <a:t>flexspi.A_DATA[7:0]</a:t>
             </a:r>
             <a:endParaRPr lang="zh-CN" altLang="en-US" sz="1200" dirty="0">
               <a:solidFill>
@@ -4275,7 +4275,7 @@
                   <a:schemeClr val="tx1"/>
                 </a:solidFill>
               </a:rPr>
-              <a:t>flexspi.B_DATA[3:0]</a:t>
+              <a:t>flexspi.B_DATA[7:0]</a:t>
             </a:r>
             <a:endParaRPr lang="zh-CN" altLang="en-US" sz="1200" dirty="0">
               <a:solidFill>
